--- a/07_Archive/メンバー紹介/メンバー紹介.pptx
+++ b/07_Archive/メンバー紹介/メンバー紹介.pptx
@@ -112,6 +112,9 @@
     <p:ext uri="{EFAFB233-063F-42B5-8137-9DF3F51BA10A}">
       <p15:sldGuideLst xmlns:p15="http://schemas.microsoft.com/office/powerpoint/2012/main"/>
     </p:ext>
+    <p:ext uri="{2D200454-40CA-4A62-9FC3-DE9A4176ACB9}">
+      <p15:notesGuideLst xmlns:p15="http://schemas.microsoft.com/office/powerpoint/2012/main"/>
+    </p:ext>
   </p:extLst>
 </p:presentation>
 </file>
@@ -198,7 +201,7 @@
           <a:p>
             <a:fld id="{BD948539-0CC9-411A-96DE-AD472AA13FE8}" type="datetimeFigureOut">
               <a:rPr kumimoji="1" lang="ja-JP" altLang="en-US" smtClean="0"/>
-              <a:t>2025/2/3</a:t>
+              <a:t>2025/2/4</a:t>
             </a:fld>
             <a:endParaRPr kumimoji="1" lang="ja-JP" altLang="en-US"/>
           </a:p>
@@ -728,7 +731,7 @@
           <a:p>
             <a:fld id="{7F6E103E-D5DA-4C13-94F9-B669B31A6A72}" type="datetimeFigureOut">
               <a:rPr kumimoji="1" lang="ja-JP" altLang="en-US" smtClean="0"/>
-              <a:t>2025/2/3</a:t>
+              <a:t>2025/2/4</a:t>
             </a:fld>
             <a:endParaRPr kumimoji="1" lang="ja-JP" altLang="en-US" dirty="0"/>
           </a:p>
@@ -958,7 +961,7 @@
           <a:p>
             <a:fld id="{7F6E103E-D5DA-4C13-94F9-B669B31A6A72}" type="datetimeFigureOut">
               <a:rPr kumimoji="1" lang="ja-JP" altLang="en-US" smtClean="0"/>
-              <a:t>2025/2/3</a:t>
+              <a:t>2025/2/4</a:t>
             </a:fld>
             <a:endParaRPr kumimoji="1" lang="ja-JP" altLang="en-US" dirty="0"/>
           </a:p>
@@ -1198,7 +1201,7 @@
           <a:p>
             <a:fld id="{7F6E103E-D5DA-4C13-94F9-B669B31A6A72}" type="datetimeFigureOut">
               <a:rPr kumimoji="1" lang="ja-JP" altLang="en-US" smtClean="0"/>
-              <a:t>2025/2/3</a:t>
+              <a:t>2025/2/4</a:t>
             </a:fld>
             <a:endParaRPr kumimoji="1" lang="ja-JP" altLang="en-US" dirty="0"/>
           </a:p>
@@ -1428,7 +1431,7 @@
           <a:p>
             <a:fld id="{7F6E103E-D5DA-4C13-94F9-B669B31A6A72}" type="datetimeFigureOut">
               <a:rPr kumimoji="1" lang="ja-JP" altLang="en-US" smtClean="0"/>
-              <a:t>2025/2/3</a:t>
+              <a:t>2025/2/4</a:t>
             </a:fld>
             <a:endParaRPr kumimoji="1" lang="ja-JP" altLang="en-US" dirty="0"/>
           </a:p>
@@ -1703,7 +1706,7 @@
           <a:p>
             <a:fld id="{7F6E103E-D5DA-4C13-94F9-B669B31A6A72}" type="datetimeFigureOut">
               <a:rPr kumimoji="1" lang="ja-JP" altLang="en-US" smtClean="0"/>
-              <a:t>2025/2/3</a:t>
+              <a:t>2025/2/4</a:t>
             </a:fld>
             <a:endParaRPr kumimoji="1" lang="ja-JP" altLang="en-US" dirty="0"/>
           </a:p>
@@ -2032,7 +2035,7 @@
           <a:p>
             <a:fld id="{7F6E103E-D5DA-4C13-94F9-B669B31A6A72}" type="datetimeFigureOut">
               <a:rPr kumimoji="1" lang="ja-JP" altLang="en-US" smtClean="0"/>
-              <a:t>2025/2/3</a:t>
+              <a:t>2025/2/4</a:t>
             </a:fld>
             <a:endParaRPr kumimoji="1" lang="ja-JP" altLang="en-US" dirty="0"/>
           </a:p>
@@ -2508,7 +2511,7 @@
           <a:p>
             <a:fld id="{7F6E103E-D5DA-4C13-94F9-B669B31A6A72}" type="datetimeFigureOut">
               <a:rPr kumimoji="1" lang="ja-JP" altLang="en-US" smtClean="0"/>
-              <a:t>2025/2/3</a:t>
+              <a:t>2025/2/4</a:t>
             </a:fld>
             <a:endParaRPr kumimoji="1" lang="ja-JP" altLang="en-US" dirty="0"/>
           </a:p>
@@ -2649,7 +2652,7 @@
           <a:p>
             <a:fld id="{7F6E103E-D5DA-4C13-94F9-B669B31A6A72}" type="datetimeFigureOut">
               <a:rPr kumimoji="1" lang="ja-JP" altLang="en-US" smtClean="0"/>
-              <a:t>2025/2/3</a:t>
+              <a:t>2025/2/4</a:t>
             </a:fld>
             <a:endParaRPr kumimoji="1" lang="ja-JP" altLang="en-US" dirty="0"/>
           </a:p>
@@ -2762,7 +2765,7 @@
           <a:p>
             <a:fld id="{7F6E103E-D5DA-4C13-94F9-B669B31A6A72}" type="datetimeFigureOut">
               <a:rPr kumimoji="1" lang="ja-JP" altLang="en-US" smtClean="0"/>
-              <a:t>2025/2/3</a:t>
+              <a:t>2025/2/4</a:t>
             </a:fld>
             <a:endParaRPr kumimoji="1" lang="ja-JP" altLang="en-US" dirty="0"/>
           </a:p>
@@ -3105,7 +3108,7 @@
           <a:p>
             <a:fld id="{7F6E103E-D5DA-4C13-94F9-B669B31A6A72}" type="datetimeFigureOut">
               <a:rPr kumimoji="1" lang="ja-JP" altLang="en-US" smtClean="0"/>
-              <a:t>2025/2/3</a:t>
+              <a:t>2025/2/4</a:t>
             </a:fld>
             <a:endParaRPr kumimoji="1" lang="ja-JP" altLang="en-US" dirty="0"/>
           </a:p>
@@ -3393,7 +3396,7 @@
           <a:p>
             <a:fld id="{7F6E103E-D5DA-4C13-94F9-B669B31A6A72}" type="datetimeFigureOut">
               <a:rPr kumimoji="1" lang="ja-JP" altLang="en-US" smtClean="0"/>
-              <a:t>2025/2/3</a:t>
+              <a:t>2025/2/4</a:t>
             </a:fld>
             <a:endParaRPr kumimoji="1" lang="ja-JP" altLang="en-US" dirty="0"/>
           </a:p>
@@ -3666,7 +3669,7 @@
           <a:p>
             <a:fld id="{7F6E103E-D5DA-4C13-94F9-B669B31A6A72}" type="datetimeFigureOut">
               <a:rPr kumimoji="1" lang="ja-JP" altLang="en-US" smtClean="0"/>
-              <a:t>2025/2/3</a:t>
+              <a:t>2025/2/4</a:t>
             </a:fld>
             <a:endParaRPr kumimoji="1" lang="ja-JP" altLang="en-US" dirty="0"/>
           </a:p>
@@ -4249,8 +4252,8 @@
         </p:nvSpPr>
         <p:spPr>
           <a:xfrm>
-            <a:off x="3366420" y="4065669"/>
-            <a:ext cx="5763986" cy="1569660"/>
+            <a:off x="3279442" y="4288218"/>
+            <a:ext cx="5763986" cy="1200329"/>
           </a:xfrm>
           <a:prstGeom prst="rect">
             <a:avLst/>
@@ -4265,8 +4268,8 @@
           <a:p>
             <a:pPr algn="ctr"/>
             <a:r>
-              <a:rPr kumimoji="1" lang="ja-JP" altLang="en-US" sz="9600" dirty="0"/>
-              <a:t>紹介文</a:t>
+              <a:rPr kumimoji="1" lang="ja-JP" altLang="en-US" dirty="0"/>
+              <a:t>チームのリーダーとしてメンバーのマネジメントを中心に行うのは今回が初めてでしたが、ちゃんとメンバーに仕事を任せてゲームを完成に導けたかなと思います</a:t>
             </a:r>
           </a:p>
         </p:txBody>
@@ -4642,7 +4645,7 @@
                 <a:latin typeface="HG創英角ｺﾞｼｯｸUB" panose="020B0909000000000000" pitchFamily="49" charset="-128"/>
                 <a:ea typeface="HG創英角ｺﾞｼｯｸUB" panose="020B0909000000000000" pitchFamily="49" charset="-128"/>
               </a:rPr>
-              <a:t>　　名前</a:t>
+              <a:t>　　小原 立暉</a:t>
             </a:r>
           </a:p>
         </p:txBody>
@@ -4687,7 +4690,7 @@
                 <a:latin typeface="HG創英角ｺﾞｼｯｸUB" panose="020B0909000000000000" pitchFamily="49" charset="-128"/>
                 <a:ea typeface="HG創英角ｺﾞｼｯｸUB" panose="020B0909000000000000" pitchFamily="49" charset="-128"/>
               </a:rPr>
-              <a:t>　　名前</a:t>
+              <a:t>　　石原 颯馬</a:t>
             </a:r>
           </a:p>
         </p:txBody>
@@ -4732,7 +4735,7 @@
                 <a:latin typeface="HG創英角ｺﾞｼｯｸUB" panose="020B0909000000000000" pitchFamily="49" charset="-128"/>
                 <a:ea typeface="HG創英角ｺﾞｼｯｸUB" panose="020B0909000000000000" pitchFamily="49" charset="-128"/>
               </a:rPr>
-              <a:t>　　名前</a:t>
+              <a:t>　　大野 祥平</a:t>
             </a:r>
           </a:p>
         </p:txBody>
@@ -4781,8 +4784,8 @@
         </p:nvSpPr>
         <p:spPr>
           <a:xfrm>
-            <a:off x="682876" y="1479336"/>
-            <a:ext cx="5763986" cy="1569660"/>
+            <a:off x="188380" y="1484985"/>
+            <a:ext cx="6356080" cy="1754326"/>
           </a:xfrm>
           <a:prstGeom prst="rect">
             <a:avLst/>
@@ -4795,119 +4798,30 @@
           </a:bodyPr>
           <a:lstStyle/>
           <a:p>
-            <a:pPr algn="ctr"/>
-            <a:r>
-              <a:rPr kumimoji="1" lang="ja-JP" altLang="en-US" sz="9600" dirty="0"/>
-              <a:t>紹介文</a:t>
-            </a:r>
-          </a:p>
-        </p:txBody>
-      </p:sp>
-      <p:sp>
-        <p:nvSpPr>
-          <p:cNvPr id="20" name="テキスト ボックス 19">
-            <a:extLst>
-              <a:ext uri="{FF2B5EF4-FFF2-40B4-BE49-F238E27FC236}">
-                <a16:creationId xmlns:a16="http://schemas.microsoft.com/office/drawing/2014/main" id="{70EF012E-97E5-44BC-A82E-5F05D5494337}"/>
-              </a:ext>
-            </a:extLst>
-          </p:cNvPr>
-          <p:cNvSpPr txBox="1"/>
-          <p:nvPr/>
-        </p:nvSpPr>
-        <p:spPr>
-          <a:xfrm>
-            <a:off x="3379746" y="4611963"/>
-            <a:ext cx="5763986" cy="1569660"/>
-          </a:xfrm>
-          <a:prstGeom prst="rect">
-            <a:avLst/>
-          </a:prstGeom>
-          <a:noFill/>
-        </p:spPr>
-        <p:txBody>
-          <a:bodyPr wrap="square" rtlCol="0">
-            <a:spAutoFit/>
-          </a:bodyPr>
-          <a:lstStyle/>
-          <a:p>
-            <a:pPr algn="ctr"/>
-            <a:r>
-              <a:rPr kumimoji="1" lang="ja-JP" altLang="en-US" sz="9600" dirty="0"/>
-              <a:t>紹介文</a:t>
-            </a:r>
-          </a:p>
-        </p:txBody>
-      </p:sp>
-      <p:sp>
-        <p:nvSpPr>
-          <p:cNvPr id="21" name="テキスト ボックス 20">
-            <a:extLst>
-              <a:ext uri="{FF2B5EF4-FFF2-40B4-BE49-F238E27FC236}">
-                <a16:creationId xmlns:a16="http://schemas.microsoft.com/office/drawing/2014/main" id="{AE245F67-78DF-4932-AA9A-3CF332B018CE}"/>
-              </a:ext>
-            </a:extLst>
-          </p:cNvPr>
-          <p:cNvSpPr txBox="1"/>
-          <p:nvPr/>
-        </p:nvSpPr>
-        <p:spPr>
-          <a:xfrm>
-            <a:off x="682876" y="7858443"/>
-            <a:ext cx="5763986" cy="1569660"/>
-          </a:xfrm>
-          <a:prstGeom prst="rect">
-            <a:avLst/>
-          </a:prstGeom>
-          <a:noFill/>
-        </p:spPr>
-        <p:txBody>
-          <a:bodyPr wrap="square" rtlCol="0">
-            <a:spAutoFit/>
-          </a:bodyPr>
-          <a:lstStyle/>
-          <a:p>
-            <a:pPr algn="ctr"/>
-            <a:r>
-              <a:rPr kumimoji="1" lang="ja-JP" altLang="en-US" sz="9600" dirty="0"/>
-              <a:t>紹介文</a:t>
-            </a:r>
-          </a:p>
-        </p:txBody>
-      </p:sp>
-      <p:sp>
-        <p:nvSpPr>
-          <p:cNvPr id="22" name="テキスト ボックス 21">
-            <a:extLst>
-              <a:ext uri="{FF2B5EF4-FFF2-40B4-BE49-F238E27FC236}">
-                <a16:creationId xmlns:a16="http://schemas.microsoft.com/office/drawing/2014/main" id="{3A1D88B9-7F8D-4796-A946-AAA7C098359D}"/>
-              </a:ext>
-            </a:extLst>
-          </p:cNvPr>
-          <p:cNvSpPr txBox="1"/>
-          <p:nvPr/>
-        </p:nvSpPr>
-        <p:spPr>
-          <a:xfrm>
-            <a:off x="3379746" y="10875828"/>
-            <a:ext cx="5763986" cy="1569660"/>
-          </a:xfrm>
-          <a:prstGeom prst="rect">
-            <a:avLst/>
-          </a:prstGeom>
-          <a:noFill/>
-        </p:spPr>
-        <p:txBody>
-          <a:bodyPr wrap="square" rtlCol="0">
-            <a:spAutoFit/>
-          </a:bodyPr>
-          <a:lstStyle/>
-          <a:p>
-            <a:pPr algn="ctr"/>
-            <a:r>
-              <a:rPr kumimoji="1" lang="ja-JP" altLang="en-US" sz="9600" dirty="0"/>
-              <a:t>紹介文</a:t>
-            </a:r>
+            <a:r>
+              <a:rPr kumimoji="1" lang="ja-JP" altLang="en-US" dirty="0"/>
+              <a:t>メインプログラマーの高山です。メカと</a:t>
+            </a:r>
+            <a:r>
+              <a:rPr kumimoji="1" lang="en-US" altLang="ja-JP" dirty="0" err="1"/>
+              <a:t>VRChat</a:t>
+            </a:r>
+            <a:r>
+              <a:rPr kumimoji="1" lang="ja-JP" altLang="en-US" dirty="0"/>
+              <a:t>が大好きです。今回の制作はリーダーがスケジュール管理やメンバーの様子見に非常に気を配ってくれていたので、かなり動きやすかったです。</a:t>
+            </a:r>
+            <a:r>
+              <a:rPr lang="ja-JP" altLang="en-US" dirty="0"/>
+              <a:t>削った仕様は数多くあれど、その中でも必要だったものをしっかり動かし、</a:t>
+            </a:r>
+            <a:endParaRPr lang="en-US" altLang="ja-JP" dirty="0"/>
+          </a:p>
+          <a:p>
+            <a:r>
+              <a:rPr lang="ja-JP" altLang="en-US" dirty="0"/>
+              <a:t>発表会ではいろんな人の楽しむ姿を見られて嬉しかったです。</a:t>
+            </a:r>
+            <a:endParaRPr kumimoji="1" lang="en-US" altLang="ja-JP" dirty="0"/>
           </a:p>
         </p:txBody>
       </p:sp>
@@ -5391,7 +5305,7 @@
                 <a:latin typeface="HG創英角ｺﾞｼｯｸUB" panose="020B0909000000000000" pitchFamily="49" charset="-128"/>
                 <a:ea typeface="HG創英角ｺﾞｼｯｸUB" panose="020B0909000000000000" pitchFamily="49" charset="-128"/>
               </a:rPr>
-              <a:t>　　名前</a:t>
+              <a:t>　　高山 桃也</a:t>
             </a:r>
           </a:p>
         </p:txBody>
@@ -5436,7 +5350,7 @@
                 <a:latin typeface="HG創英角ｺﾞｼｯｸUB" panose="020B0909000000000000" pitchFamily="49" charset="-128"/>
                 <a:ea typeface="HG創英角ｺﾞｼｯｸUB" panose="020B0909000000000000" pitchFamily="49" charset="-128"/>
               </a:rPr>
-              <a:t>　　名前</a:t>
+              <a:t>　　早川 友貴</a:t>
             </a:r>
           </a:p>
         </p:txBody>
@@ -5481,7 +5395,7 @@
                 <a:latin typeface="HG創英角ｺﾞｼｯｸUB" panose="020B0909000000000000" pitchFamily="49" charset="-128"/>
                 <a:ea typeface="HG創英角ｺﾞｼｯｸUB" panose="020B0909000000000000" pitchFamily="49" charset="-128"/>
               </a:rPr>
-              <a:t>　　名前</a:t>
+              <a:t>　　堀川 萩大</a:t>
             </a:r>
           </a:p>
         </p:txBody>
@@ -5526,13 +5440,13 @@
                 <a:latin typeface="HG創英角ｺﾞｼｯｸUB" panose="020B0909000000000000" pitchFamily="49" charset="-128"/>
                 <a:ea typeface="HG創英角ｺﾞｼｯｸUB" panose="020B0909000000000000" pitchFamily="49" charset="-128"/>
               </a:rPr>
-              <a:t>　　名前</a:t>
-            </a:r>
-          </a:p>
-        </p:txBody>
-      </p:sp>
-      <mc:AlternateContent xmlns:mc="http://schemas.openxmlformats.org/markup-compatibility/2006">
-        <mc:Choice xmlns:pslz="http://schemas.microsoft.com/office/powerpoint/2016/slidezoom" Requires="pslz">
+              <a:t>　　若木 一真</a:t>
+            </a:r>
+          </a:p>
+        </p:txBody>
+      </p:sp>
+      <mc:AlternateContent xmlns:mc="http://schemas.openxmlformats.org/markup-compatibility/2006" xmlns:pslz="http://schemas.microsoft.com/office/powerpoint/2016/slidezoom">
+        <mc:Choice Requires="pslz">
           <p:graphicFrame>
             <p:nvGraphicFramePr>
               <p:cNvPr id="40" name="スライド ズーム 39">
@@ -5589,7 +5503,7 @@
             </a:graphic>
           </p:graphicFrame>
         </mc:Choice>
-        <mc:Fallback>
+        <mc:Fallback xmlns="">
           <p:pic>
             <p:nvPicPr>
               <p:cNvPr id="40" name="スライド ズーム 39">
@@ -5606,7 +5520,7 @@
               <p:nvPr/>
             </p:nvPicPr>
             <p:blipFill>
-              <a:blip r:embed="rId3"/>
+              <a:blip r:embed="rId5"/>
               <a:stretch>
                 <a:fillRect/>
               </a:stretch>
@@ -5628,6 +5542,165 @@
           </p:pic>
         </mc:Fallback>
       </mc:AlternateContent>
+      <p:sp>
+        <p:nvSpPr>
+          <p:cNvPr id="2" name="テキスト ボックス 1">
+            <a:extLst>
+              <a:ext uri="{FF2B5EF4-FFF2-40B4-BE49-F238E27FC236}">
+                <a16:creationId xmlns:a16="http://schemas.microsoft.com/office/drawing/2014/main" id="{96A42B30-F77A-AAAE-FE7A-184AD40346BA}"/>
+              </a:ext>
+            </a:extLst>
+          </p:cNvPr>
+          <p:cNvSpPr txBox="1"/>
+          <p:nvPr/>
+        </p:nvSpPr>
+        <p:spPr>
+          <a:xfrm>
+            <a:off x="3048670" y="4395118"/>
+            <a:ext cx="4918572" cy="2308324"/>
+          </a:xfrm>
+          <a:prstGeom prst="rect">
+            <a:avLst/>
+          </a:prstGeom>
+          <a:noFill/>
+        </p:spPr>
+        <p:txBody>
+          <a:bodyPr wrap="square" rtlCol="0">
+            <a:spAutoFit/>
+          </a:bodyPr>
+          <a:lstStyle/>
+          <a:p>
+            <a:pPr algn="ctr"/>
+            <a:r>
+              <a:rPr kumimoji="1" lang="ja-JP" altLang="en-US" dirty="0"/>
+              <a:t>雑用係の早川です。</a:t>
+            </a:r>
+            <a:endParaRPr kumimoji="1" lang="en-US" altLang="ja-JP" dirty="0"/>
+          </a:p>
+          <a:p>
+            <a:pPr algn="ctr"/>
+            <a:r>
+              <a:rPr lang="ja-JP" altLang="en-US" dirty="0"/>
+              <a:t>プログラムでは、スコアや、ゲームスタートを告知する</a:t>
+            </a:r>
+            <a:r>
+              <a:rPr lang="en-US" altLang="ja-JP" dirty="0"/>
+              <a:t>UI</a:t>
+            </a:r>
+            <a:r>
+              <a:rPr lang="ja-JP" altLang="en-US" dirty="0"/>
+              <a:t>の動きを担当しました。</a:t>
+            </a:r>
+            <a:r>
+              <a:rPr lang="en-US" altLang="ja-JP" dirty="0"/>
+              <a:t>SE</a:t>
+            </a:r>
+            <a:r>
+              <a:rPr lang="ja-JP" altLang="en-US" dirty="0"/>
+              <a:t>やテクスチャにも携わっており、人手が足りないところを転々としながら制作していました。</a:t>
+            </a:r>
+            <a:endParaRPr lang="en-US" altLang="ja-JP" dirty="0"/>
+          </a:p>
+          <a:p>
+            <a:pPr algn="ctr"/>
+            <a:r>
+              <a:rPr kumimoji="1" lang="ja-JP" altLang="en-US" dirty="0"/>
+              <a:t>色々と問題がありましたが、発表会でプレイしてくださった方の反応を見る限り、成功したと思っています。</a:t>
+            </a:r>
+            <a:endParaRPr kumimoji="1" lang="en-US" altLang="ja-JP" dirty="0"/>
+          </a:p>
+        </p:txBody>
+      </p:sp>
+      <p:sp>
+        <p:nvSpPr>
+          <p:cNvPr id="3" name="テキスト ボックス 2">
+            <a:extLst>
+              <a:ext uri="{FF2B5EF4-FFF2-40B4-BE49-F238E27FC236}">
+                <a16:creationId xmlns:a16="http://schemas.microsoft.com/office/drawing/2014/main" id="{8B267969-8CFC-4B82-B6B6-5FC4EC09F7EF}"/>
+              </a:ext>
+            </a:extLst>
+          </p:cNvPr>
+          <p:cNvSpPr txBox="1"/>
+          <p:nvPr/>
+        </p:nvSpPr>
+        <p:spPr>
+          <a:xfrm>
+            <a:off x="153353" y="7629348"/>
+            <a:ext cx="6426134" cy="2585323"/>
+          </a:xfrm>
+          <a:prstGeom prst="rect">
+            <a:avLst/>
+          </a:prstGeom>
+          <a:noFill/>
+        </p:spPr>
+        <p:txBody>
+          <a:bodyPr wrap="square" rtlCol="0">
+            <a:spAutoFit/>
+          </a:bodyPr>
+          <a:lstStyle/>
+          <a:p>
+            <a:pPr algn="ctr"/>
+            <a:r>
+              <a:rPr kumimoji="1" lang="ja-JP" altLang="en-US" dirty="0"/>
+              <a:t>今回のチーム制作では就職活動をしながらではあったものの、エフェクトの部分を担当していました。波が漂流に当たった時や、モード選択の地吹雪など細かい部分まで演出することが出来て楽しかった。デバックしている際も、ステージの最適解を探したりできて楽しかった。また、ブース制作では、折り紙やジオラマなどでゲームイメージさせたり紙を繋げて大きい折り紙でペンギンを作ったり、４日程で着ぐるみを作ったりとリーダー小原の行動力と想像力に驚きながらの制作だったので、終始楽しくこのチームで作業出来てよかった。</a:t>
+            </a:r>
+            <a:endParaRPr kumimoji="1" lang="en-US" altLang="ja-JP" dirty="0"/>
+          </a:p>
+        </p:txBody>
+      </p:sp>
+      <p:sp>
+        <p:nvSpPr>
+          <p:cNvPr id="4" name="テキスト ボックス 3">
+            <a:extLst>
+              <a:ext uri="{FF2B5EF4-FFF2-40B4-BE49-F238E27FC236}">
+                <a16:creationId xmlns:a16="http://schemas.microsoft.com/office/drawing/2014/main" id="{D52A77C5-D942-217E-BBE2-8B4F4B2CC005}"/>
+              </a:ext>
+            </a:extLst>
+          </p:cNvPr>
+          <p:cNvSpPr txBox="1"/>
+          <p:nvPr/>
+        </p:nvSpPr>
+        <p:spPr>
+          <a:xfrm>
+            <a:off x="10402847" y="3822214"/>
+            <a:ext cx="8452081" cy="2585323"/>
+          </a:xfrm>
+          <a:prstGeom prst="rect">
+            <a:avLst/>
+          </a:prstGeom>
+          <a:noFill/>
+        </p:spPr>
+        <p:txBody>
+          <a:bodyPr wrap="square" rtlCol="0">
+            <a:spAutoFit/>
+          </a:bodyPr>
+          <a:lstStyle/>
+          <a:p>
+            <a:pPr algn="ctr"/>
+            <a:r>
+              <a:rPr kumimoji="1" lang="ja-JP" altLang="en-US" dirty="0"/>
+              <a:t>今回の制作で特に思ったことは３年間やってきたチーム制作で初めてプログラムを触ったことです。今まではモデル、</a:t>
+            </a:r>
+            <a:r>
+              <a:rPr kumimoji="1" lang="en-US" altLang="ja-JP" dirty="0"/>
+              <a:t>UI</a:t>
+            </a:r>
+            <a:r>
+              <a:rPr kumimoji="1" lang="ja-JP" altLang="en-US" dirty="0"/>
+              <a:t>などを担当してたので、今回もそうなるのかなーって思ってたらプログラムを任されてとても驚きました。基本モデルを中心に作り海流や</a:t>
+            </a:r>
+            <a:r>
+              <a:rPr kumimoji="1" lang="en-US" altLang="ja-JP" dirty="0"/>
+              <a:t>UI</a:t>
+            </a:r>
+            <a:r>
+              <a:rPr kumimoji="1" lang="ja-JP" altLang="en-US" dirty="0"/>
+              <a:t>のプログラムを少し担当しました。最初ペンギンは１種類しかいなかったが、マルチで種類を分けたくなり、合計５種類のペンギンを作りました。５種類作るのは大変だったが、どんなペンギンを作るかを考えるのが楽しかったです。水着ペンギンの水着と、パイロットペンギンの銃を作るのにとてもこだわりました。特に銃は３時間くらいかけて作った力作です。結果的に就職前にプログラムの復習が出来てよかったと思いました。</a:t>
+            </a:r>
+            <a:endParaRPr kumimoji="1" lang="en-US" altLang="ja-JP" dirty="0"/>
+          </a:p>
+        </p:txBody>
+      </p:sp>
     </p:spTree>
     <p:extLst>
       <p:ext uri="{BB962C8B-B14F-4D97-AF65-F5344CB8AC3E}">

--- a/07_Archive/メンバー紹介/メンバー紹介.pptx
+++ b/07_Archive/メンバー紹介/メンバー紹介.pptx
@@ -4128,116 +4128,58 @@
           </a:p>
         </p:txBody>
       </p:sp>
-      <p:grpSp>
-        <p:nvGrpSpPr>
-          <p:cNvPr id="9" name="グループ化 8">
-            <a:extLst>
-              <a:ext uri="{FF2B5EF4-FFF2-40B4-BE49-F238E27FC236}">
-                <a16:creationId xmlns:a16="http://schemas.microsoft.com/office/drawing/2014/main" id="{5C7BF6D0-DD11-4847-A3C9-63FC19041587}"/>
-              </a:ext>
-            </a:extLst>
-          </p:cNvPr>
-          <p:cNvGrpSpPr/>
+      <p:sp>
+        <p:nvSpPr>
+          <p:cNvPr id="4" name="六角形 3">
+            <a:extLst>
+              <a:ext uri="{FF2B5EF4-FFF2-40B4-BE49-F238E27FC236}">
+                <a16:creationId xmlns:a16="http://schemas.microsoft.com/office/drawing/2014/main" id="{1FE6FE10-FFC9-47D5-A0DF-35AA5D3D78D7}"/>
+              </a:ext>
+            </a:extLst>
+          </p:cNvPr>
+          <p:cNvSpPr/>
           <p:nvPr/>
-        </p:nvGrpSpPr>
-        <p:grpSpPr>
+        </p:nvSpPr>
+        <p:spPr>
           <a:xfrm>
             <a:off x="338475" y="3310441"/>
             <a:ext cx="2696870" cy="2324888"/>
-            <a:chOff x="338475" y="1899219"/>
-            <a:chExt cx="2696870" cy="2324888"/>
           </a:xfrm>
+          <a:prstGeom prst="hexagon">
+            <a:avLst/>
+          </a:prstGeom>
           <a:blipFill>
             <a:blip r:embed="rId3"/>
             <a:stretch>
               <a:fillRect/>
             </a:stretch>
           </a:blipFill>
-        </p:grpSpPr>
-        <p:sp>
-          <p:nvSpPr>
-            <p:cNvPr id="4" name="六角形 3">
-              <a:extLst>
-                <a:ext uri="{FF2B5EF4-FFF2-40B4-BE49-F238E27FC236}">
-                  <a16:creationId xmlns:a16="http://schemas.microsoft.com/office/drawing/2014/main" id="{1FE6FE10-FFC9-47D5-A0DF-35AA5D3D78D7}"/>
-                </a:ext>
-              </a:extLst>
-            </p:cNvPr>
-            <p:cNvSpPr/>
-            <p:nvPr/>
-          </p:nvSpPr>
-          <p:spPr>
-            <a:xfrm>
-              <a:off x="338475" y="1899219"/>
-              <a:ext cx="2696870" cy="2324888"/>
-            </a:xfrm>
-            <a:prstGeom prst="hexagon">
-              <a:avLst/>
-            </a:prstGeom>
-            <a:grpFill/>
-          </p:spPr>
-          <p:style>
-            <a:lnRef idx="2">
-              <a:schemeClr val="accent1">
-                <a:shade val="50000"/>
-              </a:schemeClr>
-            </a:lnRef>
-            <a:fillRef idx="1">
-              <a:schemeClr val="accent1"/>
-            </a:fillRef>
-            <a:effectRef idx="0">
-              <a:schemeClr val="accent1"/>
-            </a:effectRef>
-            <a:fontRef idx="minor">
-              <a:schemeClr val="lt1"/>
-            </a:fontRef>
-          </p:style>
-          <p:txBody>
-            <a:bodyPr rtlCol="0" anchor="ctr"/>
-            <a:lstStyle/>
-            <a:p>
-              <a:pPr algn="ctr"/>
-              <a:endParaRPr kumimoji="1" lang="ja-JP" altLang="en-US" dirty="0"/>
-            </a:p>
-          </p:txBody>
-        </p:sp>
-        <p:sp>
-          <p:nvSpPr>
-            <p:cNvPr id="6" name="テキスト ボックス 5">
-              <a:extLst>
-                <a:ext uri="{FF2B5EF4-FFF2-40B4-BE49-F238E27FC236}">
-                  <a16:creationId xmlns:a16="http://schemas.microsoft.com/office/drawing/2014/main" id="{65408AC1-BDCD-42C6-8585-E8212DBFEFA5}"/>
-                </a:ext>
-              </a:extLst>
-            </p:cNvPr>
-            <p:cNvSpPr txBox="1"/>
-            <p:nvPr/>
-          </p:nvSpPr>
-          <p:spPr>
-            <a:xfrm>
-              <a:off x="669550" y="2646164"/>
-              <a:ext cx="2034719" cy="830997"/>
-            </a:xfrm>
-            <a:prstGeom prst="rect">
-              <a:avLst/>
-            </a:prstGeom>
-            <a:grpFill/>
-          </p:spPr>
-          <p:txBody>
-            <a:bodyPr wrap="square" rtlCol="0">
-              <a:spAutoFit/>
-            </a:bodyPr>
-            <a:lstStyle/>
-            <a:p>
-              <a:pPr algn="ctr"/>
-              <a:r>
-                <a:rPr kumimoji="1" lang="ja-JP" altLang="en-US" sz="4800" dirty="0"/>
-                <a:t>写真</a:t>
-              </a:r>
-            </a:p>
-          </p:txBody>
-        </p:sp>
-      </p:grpSp>
+        </p:spPr>
+        <p:style>
+          <a:lnRef idx="2">
+            <a:schemeClr val="accent1">
+              <a:shade val="50000"/>
+            </a:schemeClr>
+          </a:lnRef>
+          <a:fillRef idx="1">
+            <a:schemeClr val="accent1"/>
+          </a:fillRef>
+          <a:effectRef idx="0">
+            <a:schemeClr val="accent1"/>
+          </a:effectRef>
+          <a:fontRef idx="minor">
+            <a:schemeClr val="lt1"/>
+          </a:fontRef>
+        </p:style>
+        <p:txBody>
+          <a:bodyPr rtlCol="0" anchor="ctr"/>
+          <a:lstStyle/>
+          <a:p>
+            <a:pPr algn="ctr"/>
+            <a:endParaRPr kumimoji="1" lang="ja-JP" altLang="en-US" dirty="0"/>
+          </a:p>
+        </p:txBody>
+      </p:sp>
       <p:sp>
         <p:nvSpPr>
           <p:cNvPr id="19" name="テキスト ボックス 18">
@@ -4252,8 +4194,8 @@
         </p:nvSpPr>
         <p:spPr>
           <a:xfrm>
-            <a:off x="3279442" y="4288218"/>
-            <a:ext cx="5763986" cy="1200329"/>
+            <a:off x="3279442" y="3938235"/>
+            <a:ext cx="5763986" cy="2246769"/>
           </a:xfrm>
           <a:prstGeom prst="rect">
             <a:avLst/>
@@ -4266,46 +4208,9 @@
           </a:bodyPr>
           <a:lstStyle/>
           <a:p>
-            <a:pPr algn="ctr"/>
-            <a:r>
-              <a:rPr kumimoji="1" lang="ja-JP" altLang="en-US" dirty="0"/>
-              <a:t>チームのリーダーとしてメンバーのマネジメントを中心に行うのは今回が初めてでしたが、ちゃんとメンバーに仕事を任せてゲームを完成に導けたかなと思います</a:t>
-            </a:r>
-          </a:p>
-        </p:txBody>
-      </p:sp>
-      <p:sp>
-        <p:nvSpPr>
-          <p:cNvPr id="20" name="テキスト ボックス 19">
-            <a:extLst>
-              <a:ext uri="{FF2B5EF4-FFF2-40B4-BE49-F238E27FC236}">
-                <a16:creationId xmlns:a16="http://schemas.microsoft.com/office/drawing/2014/main" id="{CC6A9247-F818-486A-8CD7-311484EAA92F}"/>
-              </a:ext>
-            </a:extLst>
-          </p:cNvPr>
-          <p:cNvSpPr txBox="1"/>
-          <p:nvPr/>
-        </p:nvSpPr>
-        <p:spPr>
-          <a:xfrm>
-            <a:off x="338473" y="7137502"/>
-            <a:ext cx="6037258" cy="1569660"/>
-          </a:xfrm>
-          <a:prstGeom prst="rect">
-            <a:avLst/>
-          </a:prstGeom>
-          <a:noFill/>
-        </p:spPr>
-        <p:txBody>
-          <a:bodyPr wrap="square" rtlCol="0">
-            <a:spAutoFit/>
-          </a:bodyPr>
-          <a:lstStyle/>
-          <a:p>
-            <a:pPr algn="ctr"/>
-            <a:r>
-              <a:rPr kumimoji="1" lang="ja-JP" altLang="en-US" sz="9600" dirty="0"/>
-              <a:t>紹介文</a:t>
+            <a:r>
+              <a:rPr kumimoji="1" lang="ja-JP" altLang="en-US" sz="2800" dirty="0"/>
+              <a:t>チームのリーダーとしてメンバーのマネジメントを中心に行うのは今回が初めてでしたが、ちゃんとメンバーに仕事を任せてゲームを完成に導けたかなと思います。</a:t>
             </a:r>
           </a:p>
         </p:txBody>
@@ -4346,226 +4251,110 @@
           </a:p>
         </p:txBody>
       </p:sp>
-      <p:grpSp>
-        <p:nvGrpSpPr>
-          <p:cNvPr id="23" name="グループ化 22">
-            <a:extLst>
-              <a:ext uri="{FF2B5EF4-FFF2-40B4-BE49-F238E27FC236}">
-                <a16:creationId xmlns:a16="http://schemas.microsoft.com/office/drawing/2014/main" id="{F5FEB21A-EC3C-49DB-A1E4-095B533E990A}"/>
-              </a:ext>
-            </a:extLst>
-          </p:cNvPr>
-          <p:cNvGrpSpPr/>
+      <p:sp>
+        <p:nvSpPr>
+          <p:cNvPr id="24" name="六角形 23">
+            <a:extLst>
+              <a:ext uri="{FF2B5EF4-FFF2-40B4-BE49-F238E27FC236}">
+                <a16:creationId xmlns:a16="http://schemas.microsoft.com/office/drawing/2014/main" id="{58DBA470-0F64-4C3D-91FD-E647CFF608F4}"/>
+              </a:ext>
+            </a:extLst>
+          </p:cNvPr>
+          <p:cNvSpPr/>
           <p:nvPr/>
-        </p:nvGrpSpPr>
-        <p:grpSpPr>
+        </p:nvSpPr>
+        <p:spPr>
           <a:xfrm>
-            <a:off x="6677634" y="6382274"/>
+            <a:off x="6677634" y="6539258"/>
             <a:ext cx="2696870" cy="2324888"/>
-            <a:chOff x="338475" y="1899219"/>
-            <a:chExt cx="2696870" cy="2324888"/>
           </a:xfrm>
+          <a:prstGeom prst="hexagon">
+            <a:avLst/>
+          </a:prstGeom>
           <a:blipFill>
-            <a:blip r:embed="rId3"/>
+            <a:blip r:embed="rId4"/>
             <a:stretch>
               <a:fillRect/>
             </a:stretch>
           </a:blipFill>
-        </p:grpSpPr>
-        <p:sp>
-          <p:nvSpPr>
-            <p:cNvPr id="24" name="六角形 23">
-              <a:extLst>
-                <a:ext uri="{FF2B5EF4-FFF2-40B4-BE49-F238E27FC236}">
-                  <a16:creationId xmlns:a16="http://schemas.microsoft.com/office/drawing/2014/main" id="{58DBA470-0F64-4C3D-91FD-E647CFF608F4}"/>
-                </a:ext>
-              </a:extLst>
-            </p:cNvPr>
-            <p:cNvSpPr/>
-            <p:nvPr/>
-          </p:nvSpPr>
-          <p:spPr>
-            <a:xfrm>
-              <a:off x="338475" y="1899219"/>
-              <a:ext cx="2696870" cy="2324888"/>
-            </a:xfrm>
-            <a:prstGeom prst="hexagon">
-              <a:avLst/>
-            </a:prstGeom>
-            <a:grpFill/>
-          </p:spPr>
-          <p:style>
-            <a:lnRef idx="2">
-              <a:schemeClr val="accent1">
-                <a:shade val="50000"/>
-              </a:schemeClr>
-            </a:lnRef>
-            <a:fillRef idx="1">
-              <a:schemeClr val="accent1"/>
-            </a:fillRef>
-            <a:effectRef idx="0">
-              <a:schemeClr val="accent1"/>
-            </a:effectRef>
-            <a:fontRef idx="minor">
-              <a:schemeClr val="lt1"/>
-            </a:fontRef>
-          </p:style>
-          <p:txBody>
-            <a:bodyPr rtlCol="0" anchor="ctr"/>
-            <a:lstStyle/>
-            <a:p>
-              <a:pPr algn="ctr"/>
-              <a:endParaRPr kumimoji="1" lang="ja-JP" altLang="en-US" dirty="0"/>
-            </a:p>
-          </p:txBody>
-        </p:sp>
-        <p:sp>
-          <p:nvSpPr>
-            <p:cNvPr id="25" name="テキスト ボックス 24">
-              <a:extLst>
-                <a:ext uri="{FF2B5EF4-FFF2-40B4-BE49-F238E27FC236}">
-                  <a16:creationId xmlns:a16="http://schemas.microsoft.com/office/drawing/2014/main" id="{8AA10AFE-2ECD-4F27-BD5B-EAF5FEDEF8A4}"/>
-                </a:ext>
-              </a:extLst>
-            </p:cNvPr>
-            <p:cNvSpPr txBox="1"/>
-            <p:nvPr/>
-          </p:nvSpPr>
-          <p:spPr>
-            <a:xfrm>
-              <a:off x="669550" y="2646164"/>
-              <a:ext cx="2034719" cy="830997"/>
-            </a:xfrm>
-            <a:prstGeom prst="rect">
-              <a:avLst/>
-            </a:prstGeom>
-            <a:grpFill/>
-          </p:spPr>
-          <p:txBody>
-            <a:bodyPr wrap="square" rtlCol="0">
-              <a:spAutoFit/>
-            </a:bodyPr>
-            <a:lstStyle/>
-            <a:p>
-              <a:pPr algn="ctr"/>
-              <a:r>
-                <a:rPr kumimoji="1" lang="ja-JP" altLang="en-US" sz="4800" dirty="0"/>
-                <a:t>写真</a:t>
-              </a:r>
-            </a:p>
-          </p:txBody>
-        </p:sp>
-      </p:grpSp>
-      <p:grpSp>
-        <p:nvGrpSpPr>
-          <p:cNvPr id="26" name="グループ化 25">
-            <a:extLst>
-              <a:ext uri="{FF2B5EF4-FFF2-40B4-BE49-F238E27FC236}">
-                <a16:creationId xmlns:a16="http://schemas.microsoft.com/office/drawing/2014/main" id="{43E4F245-41D6-4573-A104-2A680385DF48}"/>
-              </a:ext>
-            </a:extLst>
-          </p:cNvPr>
-          <p:cNvGrpSpPr/>
+        </p:spPr>
+        <p:style>
+          <a:lnRef idx="2">
+            <a:schemeClr val="accent1">
+              <a:shade val="50000"/>
+            </a:schemeClr>
+          </a:lnRef>
+          <a:fillRef idx="1">
+            <a:schemeClr val="accent1"/>
+          </a:fillRef>
+          <a:effectRef idx="0">
+            <a:schemeClr val="accent1"/>
+          </a:effectRef>
+          <a:fontRef idx="minor">
+            <a:schemeClr val="lt1"/>
+          </a:fontRef>
+        </p:style>
+        <p:txBody>
+          <a:bodyPr rtlCol="0" anchor="ctr"/>
+          <a:lstStyle/>
+          <a:p>
+            <a:pPr algn="ctr"/>
+            <a:endParaRPr kumimoji="1" lang="ja-JP" altLang="en-US" dirty="0"/>
+          </a:p>
+        </p:txBody>
+      </p:sp>
+      <p:sp>
+        <p:nvSpPr>
+          <p:cNvPr id="27" name="六角形 26">
+            <a:extLst>
+              <a:ext uri="{FF2B5EF4-FFF2-40B4-BE49-F238E27FC236}">
+                <a16:creationId xmlns:a16="http://schemas.microsoft.com/office/drawing/2014/main" id="{FF4C8B64-B25F-4DCB-94F6-34E30459ED73}"/>
+              </a:ext>
+            </a:extLst>
+          </p:cNvPr>
+          <p:cNvSpPr/>
           <p:nvPr/>
-        </p:nvGrpSpPr>
-        <p:grpSpPr>
+        </p:nvSpPr>
+        <p:spPr>
           <a:xfrm>
             <a:off x="338473" y="9909345"/>
             <a:ext cx="2696870" cy="2324888"/>
-            <a:chOff x="338475" y="1899219"/>
-            <a:chExt cx="2696870" cy="2324888"/>
           </a:xfrm>
+          <a:prstGeom prst="hexagon">
+            <a:avLst/>
+          </a:prstGeom>
           <a:blipFill>
-            <a:blip r:embed="rId3"/>
+            <a:blip r:embed="rId5"/>
             <a:stretch>
               <a:fillRect/>
             </a:stretch>
           </a:blipFill>
-        </p:grpSpPr>
-        <p:sp>
-          <p:nvSpPr>
-            <p:cNvPr id="27" name="六角形 26">
-              <a:extLst>
-                <a:ext uri="{FF2B5EF4-FFF2-40B4-BE49-F238E27FC236}">
-                  <a16:creationId xmlns:a16="http://schemas.microsoft.com/office/drawing/2014/main" id="{FF4C8B64-B25F-4DCB-94F6-34E30459ED73}"/>
-                </a:ext>
-              </a:extLst>
-            </p:cNvPr>
-            <p:cNvSpPr/>
-            <p:nvPr/>
-          </p:nvSpPr>
-          <p:spPr>
-            <a:xfrm>
-              <a:off x="338475" y="1899219"/>
-              <a:ext cx="2696870" cy="2324888"/>
-            </a:xfrm>
-            <a:prstGeom prst="hexagon">
-              <a:avLst/>
-            </a:prstGeom>
-            <a:grpFill/>
-          </p:spPr>
-          <p:style>
-            <a:lnRef idx="2">
-              <a:schemeClr val="accent1">
-                <a:shade val="50000"/>
-              </a:schemeClr>
-            </a:lnRef>
-            <a:fillRef idx="1">
-              <a:schemeClr val="accent1"/>
-            </a:fillRef>
-            <a:effectRef idx="0">
-              <a:schemeClr val="accent1"/>
-            </a:effectRef>
-            <a:fontRef idx="minor">
-              <a:schemeClr val="lt1"/>
-            </a:fontRef>
-          </p:style>
-          <p:txBody>
-            <a:bodyPr rtlCol="0" anchor="ctr"/>
-            <a:lstStyle/>
-            <a:p>
-              <a:pPr algn="ctr"/>
-              <a:endParaRPr kumimoji="1" lang="ja-JP" altLang="en-US" dirty="0"/>
-            </a:p>
-          </p:txBody>
-        </p:sp>
-        <p:sp>
-          <p:nvSpPr>
-            <p:cNvPr id="28" name="テキスト ボックス 27">
-              <a:extLst>
-                <a:ext uri="{FF2B5EF4-FFF2-40B4-BE49-F238E27FC236}">
-                  <a16:creationId xmlns:a16="http://schemas.microsoft.com/office/drawing/2014/main" id="{A575FC2A-A1E1-4BB9-81C4-6600A76EF6A1}"/>
-                </a:ext>
-              </a:extLst>
-            </p:cNvPr>
-            <p:cNvSpPr txBox="1"/>
-            <p:nvPr/>
-          </p:nvSpPr>
-          <p:spPr>
-            <a:xfrm>
-              <a:off x="669550" y="2646164"/>
-              <a:ext cx="2034719" cy="830997"/>
-            </a:xfrm>
-            <a:prstGeom prst="rect">
-              <a:avLst/>
-            </a:prstGeom>
-            <a:grpFill/>
-          </p:spPr>
-          <p:txBody>
-            <a:bodyPr wrap="square" rtlCol="0">
-              <a:spAutoFit/>
-            </a:bodyPr>
-            <a:lstStyle/>
-            <a:p>
-              <a:pPr algn="ctr"/>
-              <a:r>
-                <a:rPr kumimoji="1" lang="ja-JP" altLang="en-US" sz="4800" dirty="0"/>
-                <a:t>写真</a:t>
-              </a:r>
-            </a:p>
-          </p:txBody>
-        </p:sp>
-      </p:grpSp>
+        </p:spPr>
+        <p:style>
+          <a:lnRef idx="2">
+            <a:schemeClr val="accent1">
+              <a:shade val="50000"/>
+            </a:schemeClr>
+          </a:lnRef>
+          <a:fillRef idx="1">
+            <a:schemeClr val="accent1"/>
+          </a:fillRef>
+          <a:effectRef idx="0">
+            <a:schemeClr val="accent1"/>
+          </a:effectRef>
+          <a:fontRef idx="minor">
+            <a:schemeClr val="lt1"/>
+          </a:fontRef>
+        </p:style>
+        <p:txBody>
+          <a:bodyPr rtlCol="0" anchor="ctr"/>
+          <a:lstStyle/>
+          <a:p>
+            <a:pPr algn="ctr"/>
+            <a:endParaRPr kumimoji="1" lang="ja-JP" altLang="en-US" dirty="0"/>
+          </a:p>
+        </p:txBody>
+      </p:sp>
       <p:sp>
         <p:nvSpPr>
           <p:cNvPr id="29" name="テキスト ボックス 28">
@@ -4737,6 +4526,70 @@
               </a:rPr>
               <a:t>　　大野 祥平</a:t>
             </a:r>
+          </a:p>
+        </p:txBody>
+      </p:sp>
+      <p:sp>
+        <p:nvSpPr>
+          <p:cNvPr id="2" name="テキスト ボックス 1">
+            <a:extLst>
+              <a:ext uri="{FF2B5EF4-FFF2-40B4-BE49-F238E27FC236}">
+                <a16:creationId xmlns:a16="http://schemas.microsoft.com/office/drawing/2014/main" id="{370CBD54-9E20-EDFC-EFAC-730DA9F652EB}"/>
+              </a:ext>
+            </a:extLst>
+          </p:cNvPr>
+          <p:cNvSpPr txBox="1"/>
+          <p:nvPr/>
+        </p:nvSpPr>
+        <p:spPr>
+          <a:xfrm>
+            <a:off x="153349" y="6952066"/>
+            <a:ext cx="6855359" cy="2677656"/>
+          </a:xfrm>
+          <a:prstGeom prst="rect">
+            <a:avLst/>
+          </a:prstGeom>
+          <a:noFill/>
+        </p:spPr>
+        <p:txBody>
+          <a:bodyPr wrap="square" rtlCol="0">
+            <a:spAutoFit/>
+          </a:bodyPr>
+          <a:lstStyle/>
+          <a:p>
+            <a:r>
+              <a:rPr kumimoji="1" lang="ja-JP" altLang="en-US" sz="2800" dirty="0"/>
+              <a:t>サブプログラマ 兼 ブース建築担当</a:t>
+            </a:r>
+            <a:endParaRPr kumimoji="1" lang="en-US" altLang="ja-JP" sz="2800" dirty="0"/>
+          </a:p>
+          <a:p>
+            <a:r>
+              <a:rPr lang="ja-JP" altLang="en-US" sz="2800" dirty="0"/>
+              <a:t>プログラムは主にアウトゲーム中心。</a:t>
+            </a:r>
+            <a:endParaRPr lang="en-US" altLang="ja-JP" sz="2800" dirty="0"/>
+          </a:p>
+          <a:p>
+            <a:r>
+              <a:rPr lang="ja-JP" altLang="en-US" sz="2800" dirty="0"/>
+              <a:t>特にモード選択画面やオプションを担当。</a:t>
+            </a:r>
+            <a:endParaRPr lang="en-US" altLang="ja-JP" sz="2800" dirty="0"/>
+          </a:p>
+          <a:p>
+            <a:r>
+              <a:rPr kumimoji="1" lang="ja-JP" altLang="en-US" sz="2800" dirty="0"/>
+              <a:t>ブースは看板やかまくらの建築を担当。</a:t>
+            </a:r>
+            <a:endParaRPr kumimoji="1" lang="en-US" altLang="ja-JP" sz="2800" dirty="0"/>
+          </a:p>
+          <a:p>
+            <a:r>
+              <a:rPr lang="ja-JP" altLang="en-US" sz="2800" dirty="0"/>
+              <a:t>鎌倉の色をもう少し白くても良かったと思っています。</a:t>
+            </a:r>
+            <a:endParaRPr kumimoji="1" lang="ja-JP" altLang="en-US" sz="2800" dirty="0"/>
           </a:p>
         </p:txBody>
       </p:sp>
@@ -4772,499 +4625,212 @@
       </p:grpSpPr>
       <p:sp>
         <p:nvSpPr>
-          <p:cNvPr id="19" name="テキスト ボックス 18">
-            <a:extLst>
-              <a:ext uri="{FF2B5EF4-FFF2-40B4-BE49-F238E27FC236}">
-                <a16:creationId xmlns:a16="http://schemas.microsoft.com/office/drawing/2014/main" id="{DE860CC7-77DD-458D-AEDD-831FA8B386A9}"/>
-              </a:ext>
-            </a:extLst>
-          </p:cNvPr>
-          <p:cNvSpPr txBox="1"/>
+          <p:cNvPr id="24" name="六角形 23">
+            <a:extLst>
+              <a:ext uri="{FF2B5EF4-FFF2-40B4-BE49-F238E27FC236}">
+                <a16:creationId xmlns:a16="http://schemas.microsoft.com/office/drawing/2014/main" id="{A4EC534D-4FA4-4DD7-885E-BA9026D488EB}"/>
+              </a:ext>
+            </a:extLst>
+          </p:cNvPr>
+          <p:cNvSpPr/>
           <p:nvPr/>
         </p:nvSpPr>
         <p:spPr>
           <a:xfrm>
-            <a:off x="188380" y="1484985"/>
-            <a:ext cx="6356080" cy="1754326"/>
+            <a:off x="6705482" y="579681"/>
+            <a:ext cx="2696870" cy="2324888"/>
           </a:xfrm>
-          <a:prstGeom prst="rect">
+          <a:prstGeom prst="hexagon">
             <a:avLst/>
           </a:prstGeom>
-          <a:noFill/>
-        </p:spPr>
-        <p:txBody>
-          <a:bodyPr wrap="square" rtlCol="0">
-            <a:spAutoFit/>
-          </a:bodyPr>
-          <a:lstStyle/>
-          <a:p>
-            <a:r>
-              <a:rPr kumimoji="1" lang="ja-JP" altLang="en-US" dirty="0"/>
-              <a:t>メインプログラマーの高山です。メカと</a:t>
-            </a:r>
-            <a:r>
-              <a:rPr kumimoji="1" lang="en-US" altLang="ja-JP" dirty="0" err="1"/>
-              <a:t>VRChat</a:t>
-            </a:r>
-            <a:r>
-              <a:rPr kumimoji="1" lang="ja-JP" altLang="en-US" dirty="0"/>
-              <a:t>が大好きです。今回の制作はリーダーがスケジュール管理やメンバーの様子見に非常に気を配ってくれていたので、かなり動きやすかったです。</a:t>
-            </a:r>
-            <a:r>
-              <a:rPr lang="ja-JP" altLang="en-US" dirty="0"/>
-              <a:t>削った仕様は数多くあれど、その中でも必要だったものをしっかり動かし、</a:t>
-            </a:r>
-            <a:endParaRPr lang="en-US" altLang="ja-JP" dirty="0"/>
-          </a:p>
-          <a:p>
-            <a:r>
-              <a:rPr lang="ja-JP" altLang="en-US" dirty="0"/>
-              <a:t>発表会ではいろんな人の楽しむ姿を見られて嬉しかったです。</a:t>
-            </a:r>
-            <a:endParaRPr kumimoji="1" lang="en-US" altLang="ja-JP" dirty="0"/>
-          </a:p>
-        </p:txBody>
-      </p:sp>
-      <p:grpSp>
-        <p:nvGrpSpPr>
-          <p:cNvPr id="23" name="グループ化 22">
-            <a:extLst>
-              <a:ext uri="{FF2B5EF4-FFF2-40B4-BE49-F238E27FC236}">
-                <a16:creationId xmlns:a16="http://schemas.microsoft.com/office/drawing/2014/main" id="{2DB822AA-9E99-41A9-9EB9-DBAD9B80996B}"/>
-              </a:ext>
-            </a:extLst>
-          </p:cNvPr>
-          <p:cNvGrpSpPr/>
-          <p:nvPr/>
-        </p:nvGrpSpPr>
-        <p:grpSpPr>
-          <a:xfrm>
-            <a:off x="6446861" y="784206"/>
-            <a:ext cx="2696870" cy="2324888"/>
-            <a:chOff x="338475" y="1899219"/>
-            <a:chExt cx="2696870" cy="2324888"/>
-          </a:xfrm>
           <a:blipFill>
             <a:blip r:embed="rId2"/>
             <a:stretch>
               <a:fillRect/>
             </a:stretch>
           </a:blipFill>
-        </p:grpSpPr>
-        <p:sp>
-          <p:nvSpPr>
-            <p:cNvPr id="24" name="六角形 23">
-              <a:extLst>
-                <a:ext uri="{FF2B5EF4-FFF2-40B4-BE49-F238E27FC236}">
-                  <a16:creationId xmlns:a16="http://schemas.microsoft.com/office/drawing/2014/main" id="{A4EC534D-4FA4-4DD7-885E-BA9026D488EB}"/>
-                </a:ext>
-              </a:extLst>
-            </p:cNvPr>
-            <p:cNvSpPr/>
-            <p:nvPr/>
-          </p:nvSpPr>
-          <p:spPr>
-            <a:xfrm>
-              <a:off x="338475" y="1899219"/>
-              <a:ext cx="2696870" cy="2324888"/>
-            </a:xfrm>
-            <a:prstGeom prst="hexagon">
-              <a:avLst/>
-            </a:prstGeom>
-            <a:grpFill/>
-          </p:spPr>
-          <p:style>
-            <a:lnRef idx="2">
-              <a:schemeClr val="accent1">
-                <a:shade val="50000"/>
-              </a:schemeClr>
-            </a:lnRef>
-            <a:fillRef idx="1">
-              <a:schemeClr val="accent1"/>
-            </a:fillRef>
-            <a:effectRef idx="0">
-              <a:schemeClr val="accent1"/>
-            </a:effectRef>
-            <a:fontRef idx="minor">
-              <a:schemeClr val="lt1"/>
-            </a:fontRef>
-          </p:style>
-          <p:txBody>
-            <a:bodyPr rtlCol="0" anchor="ctr"/>
-            <a:lstStyle/>
-            <a:p>
-              <a:pPr algn="ctr"/>
-              <a:endParaRPr kumimoji="1" lang="ja-JP" altLang="en-US" dirty="0"/>
-            </a:p>
-          </p:txBody>
-        </p:sp>
-        <p:sp>
-          <p:nvSpPr>
-            <p:cNvPr id="25" name="テキスト ボックス 24">
-              <a:extLst>
-                <a:ext uri="{FF2B5EF4-FFF2-40B4-BE49-F238E27FC236}">
-                  <a16:creationId xmlns:a16="http://schemas.microsoft.com/office/drawing/2014/main" id="{515BC2D1-3479-418C-8E22-F6E777454B07}"/>
-                </a:ext>
-              </a:extLst>
-            </p:cNvPr>
-            <p:cNvSpPr txBox="1"/>
-            <p:nvPr/>
-          </p:nvSpPr>
-          <p:spPr>
-            <a:xfrm>
-              <a:off x="669550" y="2646164"/>
-              <a:ext cx="2034719" cy="830997"/>
-            </a:xfrm>
-            <a:prstGeom prst="rect">
-              <a:avLst/>
-            </a:prstGeom>
-            <a:grpFill/>
-          </p:spPr>
-          <p:txBody>
-            <a:bodyPr wrap="square" rtlCol="0">
-              <a:spAutoFit/>
-            </a:bodyPr>
-            <a:lstStyle/>
-            <a:p>
-              <a:pPr algn="ctr"/>
-              <a:r>
-                <a:rPr kumimoji="1" lang="ja-JP" altLang="en-US" sz="4800" dirty="0"/>
-                <a:t>写真</a:t>
-              </a:r>
-            </a:p>
-          </p:txBody>
-        </p:sp>
-      </p:grpSp>
-      <p:grpSp>
-        <p:nvGrpSpPr>
-          <p:cNvPr id="26" name="グループ化 25">
-            <a:extLst>
-              <a:ext uri="{FF2B5EF4-FFF2-40B4-BE49-F238E27FC236}">
-                <a16:creationId xmlns:a16="http://schemas.microsoft.com/office/drawing/2014/main" id="{07ABAFDD-B333-48FA-830F-F970FB547275}"/>
-              </a:ext>
-            </a:extLst>
-          </p:cNvPr>
-          <p:cNvGrpSpPr/>
+        </p:spPr>
+        <p:style>
+          <a:lnRef idx="2">
+            <a:schemeClr val="accent1">
+              <a:shade val="50000"/>
+            </a:schemeClr>
+          </a:lnRef>
+          <a:fillRef idx="1">
+            <a:schemeClr val="accent1"/>
+          </a:fillRef>
+          <a:effectRef idx="0">
+            <a:schemeClr val="accent1"/>
+          </a:effectRef>
+          <a:fontRef idx="minor">
+            <a:schemeClr val="lt1"/>
+          </a:fontRef>
+        </p:style>
+        <p:txBody>
+          <a:bodyPr rtlCol="0" anchor="ctr"/>
+          <a:lstStyle/>
+          <a:p>
+            <a:pPr algn="ctr"/>
+            <a:endParaRPr kumimoji="1" lang="ja-JP" altLang="en-US" dirty="0"/>
+          </a:p>
+        </p:txBody>
+      </p:sp>
+      <p:sp>
+        <p:nvSpPr>
+          <p:cNvPr id="27" name="六角形 26">
+            <a:extLst>
+              <a:ext uri="{FF2B5EF4-FFF2-40B4-BE49-F238E27FC236}">
+                <a16:creationId xmlns:a16="http://schemas.microsoft.com/office/drawing/2014/main" id="{AC8D05AF-17EF-44CF-98CB-C349CC9CF127}"/>
+              </a:ext>
+            </a:extLst>
+          </p:cNvPr>
+          <p:cNvSpPr/>
           <p:nvPr/>
-        </p:nvGrpSpPr>
-        <p:grpSpPr>
+        </p:nvSpPr>
+        <p:spPr>
           <a:xfrm>
-            <a:off x="351801" y="3801591"/>
+            <a:off x="211554" y="3297097"/>
             <a:ext cx="2696870" cy="2324888"/>
-            <a:chOff x="338475" y="1899219"/>
-            <a:chExt cx="2696870" cy="2324888"/>
           </a:xfrm>
+          <a:prstGeom prst="hexagon">
+            <a:avLst/>
+          </a:prstGeom>
           <a:blipFill>
-            <a:blip r:embed="rId2"/>
+            <a:blip r:embed="rId3"/>
             <a:stretch>
               <a:fillRect/>
             </a:stretch>
           </a:blipFill>
-        </p:grpSpPr>
-        <p:sp>
-          <p:nvSpPr>
-            <p:cNvPr id="27" name="六角形 26">
-              <a:extLst>
-                <a:ext uri="{FF2B5EF4-FFF2-40B4-BE49-F238E27FC236}">
-                  <a16:creationId xmlns:a16="http://schemas.microsoft.com/office/drawing/2014/main" id="{AC8D05AF-17EF-44CF-98CB-C349CC9CF127}"/>
-                </a:ext>
-              </a:extLst>
-            </p:cNvPr>
-            <p:cNvSpPr/>
-            <p:nvPr/>
-          </p:nvSpPr>
-          <p:spPr>
-            <a:xfrm>
-              <a:off x="338475" y="1899219"/>
-              <a:ext cx="2696870" cy="2324888"/>
-            </a:xfrm>
-            <a:prstGeom prst="hexagon">
-              <a:avLst/>
-            </a:prstGeom>
-            <a:grpFill/>
-          </p:spPr>
-          <p:style>
-            <a:lnRef idx="2">
-              <a:schemeClr val="accent1">
-                <a:shade val="50000"/>
-              </a:schemeClr>
-            </a:lnRef>
-            <a:fillRef idx="1">
-              <a:schemeClr val="accent1"/>
-            </a:fillRef>
-            <a:effectRef idx="0">
-              <a:schemeClr val="accent1"/>
-            </a:effectRef>
-            <a:fontRef idx="minor">
-              <a:schemeClr val="lt1"/>
-            </a:fontRef>
-          </p:style>
-          <p:txBody>
-            <a:bodyPr rtlCol="0" anchor="ctr"/>
-            <a:lstStyle/>
-            <a:p>
-              <a:pPr algn="ctr"/>
-              <a:endParaRPr kumimoji="1" lang="ja-JP" altLang="en-US" dirty="0"/>
-            </a:p>
-          </p:txBody>
-        </p:sp>
-        <p:sp>
-          <p:nvSpPr>
-            <p:cNvPr id="28" name="テキスト ボックス 27">
-              <a:extLst>
-                <a:ext uri="{FF2B5EF4-FFF2-40B4-BE49-F238E27FC236}">
-                  <a16:creationId xmlns:a16="http://schemas.microsoft.com/office/drawing/2014/main" id="{EB2793F0-554D-4CF4-88BF-850196072C4A}"/>
-                </a:ext>
-              </a:extLst>
-            </p:cNvPr>
-            <p:cNvSpPr txBox="1"/>
-            <p:nvPr/>
-          </p:nvSpPr>
-          <p:spPr>
-            <a:xfrm>
-              <a:off x="669550" y="2646164"/>
-              <a:ext cx="2034719" cy="830997"/>
-            </a:xfrm>
-            <a:prstGeom prst="rect">
-              <a:avLst/>
-            </a:prstGeom>
-            <a:grpFill/>
-          </p:spPr>
-          <p:txBody>
-            <a:bodyPr wrap="square" rtlCol="0">
-              <a:spAutoFit/>
-            </a:bodyPr>
-            <a:lstStyle/>
-            <a:p>
-              <a:pPr algn="ctr"/>
-              <a:r>
-                <a:rPr kumimoji="1" lang="ja-JP" altLang="en-US" sz="4800" dirty="0"/>
-                <a:t>写真</a:t>
-              </a:r>
-            </a:p>
-          </p:txBody>
-        </p:sp>
-      </p:grpSp>
-      <p:grpSp>
-        <p:nvGrpSpPr>
-          <p:cNvPr id="29" name="グループ化 28">
-            <a:extLst>
-              <a:ext uri="{FF2B5EF4-FFF2-40B4-BE49-F238E27FC236}">
-                <a16:creationId xmlns:a16="http://schemas.microsoft.com/office/drawing/2014/main" id="{C8B92555-0ED7-4311-A5E5-F21B7FB5B41A}"/>
-              </a:ext>
-            </a:extLst>
-          </p:cNvPr>
-          <p:cNvGrpSpPr/>
+        </p:spPr>
+        <p:style>
+          <a:lnRef idx="2">
+            <a:schemeClr val="accent1">
+              <a:shade val="50000"/>
+            </a:schemeClr>
+          </a:lnRef>
+          <a:fillRef idx="1">
+            <a:schemeClr val="accent1"/>
+          </a:fillRef>
+          <a:effectRef idx="0">
+            <a:schemeClr val="accent1"/>
+          </a:effectRef>
+          <a:fontRef idx="minor">
+            <a:schemeClr val="lt1"/>
+          </a:fontRef>
+        </p:style>
+        <p:txBody>
+          <a:bodyPr rtlCol="0" anchor="ctr"/>
+          <a:lstStyle/>
+          <a:p>
+            <a:pPr algn="ctr"/>
+            <a:endParaRPr kumimoji="1" lang="ja-JP" altLang="en-US" dirty="0"/>
+          </a:p>
+        </p:txBody>
+      </p:sp>
+      <p:sp>
+        <p:nvSpPr>
+          <p:cNvPr id="30" name="六角形 29">
+            <a:extLst>
+              <a:ext uri="{FF2B5EF4-FFF2-40B4-BE49-F238E27FC236}">
+                <a16:creationId xmlns:a16="http://schemas.microsoft.com/office/drawing/2014/main" id="{2E4A2AB6-D05D-4D87-AE72-F575A8B5E35C}"/>
+              </a:ext>
+            </a:extLst>
+          </p:cNvPr>
+          <p:cNvSpPr/>
           <p:nvPr/>
-        </p:nvGrpSpPr>
-        <p:grpSpPr>
+        </p:nvSpPr>
+        <p:spPr>
           <a:xfrm>
-            <a:off x="6446860" y="7043116"/>
+            <a:off x="6705482" y="6235426"/>
             <a:ext cx="2696870" cy="2324888"/>
-            <a:chOff x="338475" y="1899219"/>
-            <a:chExt cx="2696870" cy="2324888"/>
           </a:xfrm>
+          <a:prstGeom prst="hexagon">
+            <a:avLst/>
+          </a:prstGeom>
           <a:blipFill>
-            <a:blip r:embed="rId2"/>
+            <a:blip r:embed="rId4"/>
             <a:stretch>
               <a:fillRect/>
             </a:stretch>
           </a:blipFill>
-        </p:grpSpPr>
-        <p:sp>
-          <p:nvSpPr>
-            <p:cNvPr id="30" name="六角形 29">
-              <a:extLst>
-                <a:ext uri="{FF2B5EF4-FFF2-40B4-BE49-F238E27FC236}">
-                  <a16:creationId xmlns:a16="http://schemas.microsoft.com/office/drawing/2014/main" id="{2E4A2AB6-D05D-4D87-AE72-F575A8B5E35C}"/>
-                </a:ext>
-              </a:extLst>
-            </p:cNvPr>
-            <p:cNvSpPr/>
-            <p:nvPr/>
-          </p:nvSpPr>
-          <p:spPr>
-            <a:xfrm>
-              <a:off x="338475" y="1899219"/>
-              <a:ext cx="2696870" cy="2324888"/>
-            </a:xfrm>
-            <a:prstGeom prst="hexagon">
-              <a:avLst/>
-            </a:prstGeom>
-            <a:grpFill/>
-          </p:spPr>
-          <p:style>
-            <a:lnRef idx="2">
-              <a:schemeClr val="accent1">
-                <a:shade val="50000"/>
-              </a:schemeClr>
-            </a:lnRef>
-            <a:fillRef idx="1">
-              <a:schemeClr val="accent1"/>
-            </a:fillRef>
-            <a:effectRef idx="0">
-              <a:schemeClr val="accent1"/>
-            </a:effectRef>
-            <a:fontRef idx="minor">
-              <a:schemeClr val="lt1"/>
-            </a:fontRef>
-          </p:style>
-          <p:txBody>
-            <a:bodyPr rtlCol="0" anchor="ctr"/>
-            <a:lstStyle/>
-            <a:p>
-              <a:pPr algn="ctr"/>
-              <a:endParaRPr kumimoji="1" lang="ja-JP" altLang="en-US" dirty="0"/>
-            </a:p>
-          </p:txBody>
-        </p:sp>
-        <p:sp>
-          <p:nvSpPr>
-            <p:cNvPr id="31" name="テキスト ボックス 30">
-              <a:extLst>
-                <a:ext uri="{FF2B5EF4-FFF2-40B4-BE49-F238E27FC236}">
-                  <a16:creationId xmlns:a16="http://schemas.microsoft.com/office/drawing/2014/main" id="{DAD00BF6-BB31-4BD2-8C08-D5EB747A7B81}"/>
-                </a:ext>
-              </a:extLst>
-            </p:cNvPr>
-            <p:cNvSpPr txBox="1"/>
-            <p:nvPr/>
-          </p:nvSpPr>
-          <p:spPr>
-            <a:xfrm>
-              <a:off x="669550" y="2646164"/>
-              <a:ext cx="2034719" cy="830997"/>
-            </a:xfrm>
-            <a:prstGeom prst="rect">
-              <a:avLst/>
-            </a:prstGeom>
-            <a:grpFill/>
-          </p:spPr>
-          <p:txBody>
-            <a:bodyPr wrap="square" rtlCol="0">
-              <a:spAutoFit/>
-            </a:bodyPr>
-            <a:lstStyle/>
-            <a:p>
-              <a:pPr algn="ctr"/>
-              <a:r>
-                <a:rPr kumimoji="1" lang="ja-JP" altLang="en-US" sz="4800" dirty="0"/>
-                <a:t>写真</a:t>
-              </a:r>
-            </a:p>
-          </p:txBody>
-        </p:sp>
-      </p:grpSp>
-      <p:grpSp>
-        <p:nvGrpSpPr>
-          <p:cNvPr id="32" name="グループ化 31">
-            <a:extLst>
-              <a:ext uri="{FF2B5EF4-FFF2-40B4-BE49-F238E27FC236}">
-                <a16:creationId xmlns:a16="http://schemas.microsoft.com/office/drawing/2014/main" id="{869C05B1-C851-4BAB-8E1B-2FCAFBCD6DF8}"/>
-              </a:ext>
-            </a:extLst>
-          </p:cNvPr>
-          <p:cNvGrpSpPr/>
+        </p:spPr>
+        <p:style>
+          <a:lnRef idx="2">
+            <a:schemeClr val="accent1">
+              <a:shade val="50000"/>
+            </a:schemeClr>
+          </a:lnRef>
+          <a:fillRef idx="1">
+            <a:schemeClr val="accent1"/>
+          </a:fillRef>
+          <a:effectRef idx="0">
+            <a:schemeClr val="accent1"/>
+          </a:effectRef>
+          <a:fontRef idx="minor">
+            <a:schemeClr val="lt1"/>
+          </a:fontRef>
+        </p:style>
+        <p:txBody>
+          <a:bodyPr rtlCol="0" anchor="ctr"/>
+          <a:lstStyle/>
+          <a:p>
+            <a:pPr algn="ctr"/>
+            <a:endParaRPr kumimoji="1" lang="ja-JP" altLang="en-US" dirty="0"/>
+          </a:p>
+        </p:txBody>
+      </p:sp>
+      <p:sp>
+        <p:nvSpPr>
+          <p:cNvPr id="33" name="六角形 32">
+            <a:extLst>
+              <a:ext uri="{FF2B5EF4-FFF2-40B4-BE49-F238E27FC236}">
+                <a16:creationId xmlns:a16="http://schemas.microsoft.com/office/drawing/2014/main" id="{877CFCFC-662C-480F-9EA6-484F8B3E3234}"/>
+              </a:ext>
+            </a:extLst>
+          </p:cNvPr>
+          <p:cNvSpPr/>
           <p:nvPr/>
-        </p:nvGrpSpPr>
-        <p:grpSpPr>
+        </p:nvSpPr>
+        <p:spPr>
           <a:xfrm>
-            <a:off x="457468" y="10120600"/>
+            <a:off x="211554" y="9560761"/>
             <a:ext cx="2696870" cy="2324888"/>
-            <a:chOff x="338475" y="1899219"/>
-            <a:chExt cx="2696870" cy="2324888"/>
           </a:xfrm>
+          <a:prstGeom prst="hexagon">
+            <a:avLst/>
+          </a:prstGeom>
           <a:blipFill>
-            <a:blip r:embed="rId2"/>
+            <a:blip r:embed="rId5"/>
             <a:stretch>
               <a:fillRect/>
             </a:stretch>
           </a:blipFill>
-        </p:grpSpPr>
-        <p:sp>
-          <p:nvSpPr>
-            <p:cNvPr id="33" name="六角形 32">
-              <a:extLst>
-                <a:ext uri="{FF2B5EF4-FFF2-40B4-BE49-F238E27FC236}">
-                  <a16:creationId xmlns:a16="http://schemas.microsoft.com/office/drawing/2014/main" id="{877CFCFC-662C-480F-9EA6-484F8B3E3234}"/>
-                </a:ext>
-              </a:extLst>
-            </p:cNvPr>
-            <p:cNvSpPr/>
-            <p:nvPr/>
-          </p:nvSpPr>
-          <p:spPr>
-            <a:xfrm>
-              <a:off x="338475" y="1899219"/>
-              <a:ext cx="2696870" cy="2324888"/>
-            </a:xfrm>
-            <a:prstGeom prst="hexagon">
-              <a:avLst/>
-            </a:prstGeom>
-            <a:grpFill/>
-          </p:spPr>
-          <p:style>
-            <a:lnRef idx="2">
-              <a:schemeClr val="accent1">
-                <a:shade val="50000"/>
-              </a:schemeClr>
-            </a:lnRef>
-            <a:fillRef idx="1">
-              <a:schemeClr val="accent1"/>
-            </a:fillRef>
-            <a:effectRef idx="0">
-              <a:schemeClr val="accent1"/>
-            </a:effectRef>
-            <a:fontRef idx="minor">
-              <a:schemeClr val="lt1"/>
-            </a:fontRef>
-          </p:style>
-          <p:txBody>
-            <a:bodyPr rtlCol="0" anchor="ctr"/>
-            <a:lstStyle/>
-            <a:p>
-              <a:pPr algn="ctr"/>
-              <a:endParaRPr kumimoji="1" lang="ja-JP" altLang="en-US" dirty="0"/>
-            </a:p>
-          </p:txBody>
-        </p:sp>
-        <p:sp>
-          <p:nvSpPr>
-            <p:cNvPr id="34" name="テキスト ボックス 33">
-              <a:extLst>
-                <a:ext uri="{FF2B5EF4-FFF2-40B4-BE49-F238E27FC236}">
-                  <a16:creationId xmlns:a16="http://schemas.microsoft.com/office/drawing/2014/main" id="{56553FBE-FB9F-465D-9F31-425B9B919B07}"/>
-                </a:ext>
-              </a:extLst>
-            </p:cNvPr>
-            <p:cNvSpPr txBox="1"/>
-            <p:nvPr/>
-          </p:nvSpPr>
-          <p:spPr>
-            <a:xfrm>
-              <a:off x="669550" y="2646164"/>
-              <a:ext cx="2034719" cy="830997"/>
-            </a:xfrm>
-            <a:prstGeom prst="rect">
-              <a:avLst/>
-            </a:prstGeom>
-            <a:grpFill/>
-          </p:spPr>
-          <p:txBody>
-            <a:bodyPr wrap="square" rtlCol="0">
-              <a:spAutoFit/>
-            </a:bodyPr>
-            <a:lstStyle/>
-            <a:p>
-              <a:pPr algn="ctr"/>
-              <a:r>
-                <a:rPr kumimoji="1" lang="ja-JP" altLang="en-US" sz="4800" dirty="0"/>
-                <a:t>写真</a:t>
-              </a:r>
-            </a:p>
-          </p:txBody>
-        </p:sp>
-      </p:grpSp>
+        </p:spPr>
+        <p:style>
+          <a:lnRef idx="2">
+            <a:schemeClr val="accent1">
+              <a:shade val="50000"/>
+            </a:schemeClr>
+          </a:lnRef>
+          <a:fillRef idx="1">
+            <a:schemeClr val="accent1"/>
+          </a:fillRef>
+          <a:effectRef idx="0">
+            <a:schemeClr val="accent1"/>
+          </a:effectRef>
+          <a:fontRef idx="minor">
+            <a:schemeClr val="lt1"/>
+          </a:fontRef>
+        </p:style>
+        <p:txBody>
+          <a:bodyPr rtlCol="0" anchor="ctr"/>
+          <a:lstStyle/>
+          <a:p>
+            <a:pPr algn="ctr"/>
+            <a:endParaRPr kumimoji="1" lang="ja-JP" altLang="en-US" dirty="0"/>
+          </a:p>
+        </p:txBody>
+      </p:sp>
       <p:sp>
         <p:nvSpPr>
           <p:cNvPr id="35" name="テキスト ボックス 34">
@@ -5279,7 +4845,7 @@
         </p:nvSpPr>
         <p:spPr>
           <a:xfrm>
-            <a:off x="788543" y="778556"/>
+            <a:off x="211554" y="-5094"/>
             <a:ext cx="4918573" cy="584775"/>
           </a:xfrm>
           <a:prstGeom prst="rect">
@@ -5324,7 +4890,7 @@
         </p:nvSpPr>
         <p:spPr>
           <a:xfrm>
-            <a:off x="3379746" y="3804224"/>
+            <a:off x="2976216" y="3109235"/>
             <a:ext cx="4918573" cy="584775"/>
           </a:xfrm>
           <a:prstGeom prst="rect">
@@ -5369,7 +4935,7 @@
         </p:nvSpPr>
         <p:spPr>
           <a:xfrm>
-            <a:off x="788542" y="7044573"/>
+            <a:off x="211554" y="5835901"/>
             <a:ext cx="4918573" cy="584775"/>
           </a:xfrm>
           <a:prstGeom prst="rect">
@@ -5414,7 +4980,7 @@
         </p:nvSpPr>
         <p:spPr>
           <a:xfrm>
-            <a:off x="3366420" y="10115978"/>
+            <a:off x="2908424" y="8647906"/>
             <a:ext cx="4918573" cy="584775"/>
           </a:xfrm>
           <a:prstGeom prst="rect">
@@ -5477,7 +5043,7 @@
                   <pslz:sldZmObj sldId="256" cId="188449045">
                     <pslz:zmPr id="{EE0B098F-E8B2-467A-AB93-7FF234F61D76}" returnToParent="0" transitionDur="1000">
                       <p166:blipFill xmlns:p166="http://schemas.microsoft.com/office/powerpoint/2016/6/main">
-                        <a:blip r:embed="rId3"/>
+                        <a:blip r:embed="rId6"/>
                         <a:stretch>
                           <a:fillRect/>
                         </a:stretch>
@@ -5507,7 +5073,7 @@
           <p:pic>
             <p:nvPicPr>
               <p:cNvPr id="40" name="スライド ズーム 39">
-                <a:hlinkClick r:id="rId4" action="ppaction://hlinksldjump"/>
+                <a:hlinkClick r:id="rId7" action="ppaction://hlinksldjump"/>
                 <a:extLst>
                   <a:ext uri="{FF2B5EF4-FFF2-40B4-BE49-F238E27FC236}">
                     <a16:creationId xmlns:a16="http://schemas.microsoft.com/office/drawing/2014/main" id="{88993CBA-B9EB-4CCD-905E-8778DBD67D4E}"/>
@@ -5520,7 +5086,7 @@
               <p:nvPr/>
             </p:nvPicPr>
             <p:blipFill>
-              <a:blip r:embed="rId5"/>
+              <a:blip r:embed="rId8"/>
               <a:stretch>
                 <a:fillRect/>
               </a:stretch>
@@ -5556,8 +5122,8 @@
         </p:nvSpPr>
         <p:spPr>
           <a:xfrm>
-            <a:off x="3048670" y="4395118"/>
-            <a:ext cx="4918572" cy="2308324"/>
+            <a:off x="2976217" y="3654278"/>
+            <a:ext cx="6426135" cy="2246769"/>
           </a:xfrm>
           <a:prstGeom prst="rect">
             <a:avLst/>
@@ -5570,44 +5136,27 @@
           </a:bodyPr>
           <a:lstStyle/>
           <a:p>
-            <a:pPr algn="ctr"/>
-            <a:r>
-              <a:rPr kumimoji="1" lang="ja-JP" altLang="en-US" dirty="0"/>
+            <a:r>
+              <a:rPr kumimoji="1" lang="ja-JP" altLang="en-US" sz="2800" dirty="0"/>
               <a:t>雑用係の早川です。</a:t>
             </a:r>
-            <a:endParaRPr kumimoji="1" lang="en-US" altLang="ja-JP" dirty="0"/>
-          </a:p>
-          <a:p>
-            <a:pPr algn="ctr"/>
-            <a:r>
-              <a:rPr lang="ja-JP" altLang="en-US" dirty="0"/>
-              <a:t>プログラムでは、スコアや、ゲームスタートを告知する</a:t>
-            </a:r>
-            <a:r>
-              <a:rPr lang="en-US" altLang="ja-JP" dirty="0"/>
+            <a:r>
+              <a:rPr lang="ja-JP" altLang="en-US" sz="2800" dirty="0"/>
+              <a:t>プログラムでは、スコア等の</a:t>
+            </a:r>
+            <a:r>
+              <a:rPr lang="en-US" altLang="ja-JP" sz="2800" dirty="0"/>
               <a:t>UI</a:t>
             </a:r>
             <a:r>
-              <a:rPr lang="ja-JP" altLang="en-US" dirty="0"/>
-              <a:t>の動きを担当しました。</a:t>
-            </a:r>
-            <a:r>
-              <a:rPr lang="en-US" altLang="ja-JP" dirty="0"/>
-              <a:t>SE</a:t>
-            </a:r>
-            <a:r>
-              <a:rPr lang="ja-JP" altLang="en-US" dirty="0"/>
-              <a:t>やテクスチャにも携わっており、人手が足りないところを転々としながら制作していました。</a:t>
-            </a:r>
-            <a:endParaRPr lang="en-US" altLang="ja-JP" dirty="0"/>
-          </a:p>
-          <a:p>
-            <a:pPr algn="ctr"/>
-            <a:r>
-              <a:rPr kumimoji="1" lang="ja-JP" altLang="en-US" dirty="0"/>
-              <a:t>色々と問題がありましたが、発表会でプレイしてくださった方の反応を見る限り、成功したと思っています。</a:t>
-            </a:r>
-            <a:endParaRPr kumimoji="1" lang="en-US" altLang="ja-JP" dirty="0"/>
+              <a:rPr lang="ja-JP" altLang="en-US" sz="2800" dirty="0"/>
+              <a:t>の動きを担当しました。人手が足りないところを転々としながら制作していました。</a:t>
+            </a:r>
+            <a:r>
+              <a:rPr kumimoji="1" lang="ja-JP" altLang="en-US" sz="2800" dirty="0"/>
+              <a:t>発表会でいいリアクションをもらえて嬉しかったです。</a:t>
+            </a:r>
+            <a:endParaRPr kumimoji="1" lang="en-US" altLang="ja-JP" sz="2800" dirty="0"/>
           </a:p>
         </p:txBody>
       </p:sp>
@@ -5625,8 +5174,8 @@
         </p:nvSpPr>
         <p:spPr>
           <a:xfrm>
-            <a:off x="153353" y="7629348"/>
-            <a:ext cx="6426134" cy="2585323"/>
+            <a:off x="97706" y="6400018"/>
+            <a:ext cx="6426135" cy="2677656"/>
           </a:xfrm>
           <a:prstGeom prst="rect">
             <a:avLst/>
@@ -5639,12 +5188,27 @@
           </a:bodyPr>
           <a:lstStyle/>
           <a:p>
-            <a:pPr algn="ctr"/>
-            <a:r>
-              <a:rPr kumimoji="1" lang="ja-JP" altLang="en-US" dirty="0"/>
-              <a:t>今回のチーム制作では就職活動をしながらではあったものの、エフェクトの部分を担当していました。波が漂流に当たった時や、モード選択の地吹雪など細かい部分まで演出することが出来て楽しかった。デバックしている際も、ステージの最適解を探したりできて楽しかった。また、ブース制作では、折り紙やジオラマなどでゲームイメージさせたり紙を繋げて大きい折り紙でペンギンを作ったり、４日程で着ぐるみを作ったりとリーダー小原の行動力と想像力に驚きながらの制作だったので、終始楽しくこのチームで作業出来てよかった。</a:t>
-            </a:r>
-            <a:endParaRPr kumimoji="1" lang="en-US" altLang="ja-JP" dirty="0"/>
+            <a:r>
+              <a:rPr kumimoji="1" lang="ja-JP" altLang="en-US" sz="2800" dirty="0"/>
+              <a:t>エフェクト担当。波が漂流物に当たる時、モード選択の地吹雪等細かい演出作成。ブース制作は、折り紙やジオラマ等でゲーム</a:t>
+            </a:r>
+            <a:r>
+              <a:rPr lang="ja-JP" altLang="en-US" sz="2800" dirty="0"/>
+              <a:t>を</a:t>
+            </a:r>
+            <a:r>
+              <a:rPr kumimoji="1" lang="ja-JP" altLang="en-US" sz="2800" dirty="0"/>
+              <a:t>再現。紙を繋げて巨大ペンギン</a:t>
+            </a:r>
+            <a:r>
+              <a:rPr lang="ja-JP" altLang="en-US" sz="2800" dirty="0"/>
+              <a:t>を作成。</a:t>
+            </a:r>
+            <a:r>
+              <a:rPr kumimoji="1" lang="ja-JP" altLang="en-US" sz="2800" dirty="0"/>
+              <a:t>終始楽しく制作出来てよかった。</a:t>
+            </a:r>
+            <a:endParaRPr kumimoji="1" lang="en-US" altLang="ja-JP" sz="2800" dirty="0"/>
           </a:p>
         </p:txBody>
       </p:sp>
@@ -5662,8 +5226,8 @@
         </p:nvSpPr>
         <p:spPr>
           <a:xfrm>
-            <a:off x="10402847" y="3822214"/>
-            <a:ext cx="8452081" cy="2585323"/>
+            <a:off x="2819798" y="9264835"/>
+            <a:ext cx="6602056" cy="3539430"/>
           </a:xfrm>
           <a:prstGeom prst="rect">
             <a:avLst/>
@@ -5676,28 +5240,89 @@
           </a:bodyPr>
           <a:lstStyle/>
           <a:p>
-            <a:pPr algn="ctr"/>
-            <a:r>
-              <a:rPr kumimoji="1" lang="ja-JP" altLang="en-US" dirty="0"/>
-              <a:t>今回の制作で特に思ったことは３年間やってきたチーム制作で初めてプログラムを触ったことです。今まではモデル、</a:t>
-            </a:r>
-            <a:r>
-              <a:rPr kumimoji="1" lang="en-US" altLang="ja-JP" dirty="0"/>
+            <a:r>
+              <a:rPr kumimoji="1" lang="ja-JP" altLang="en-US" sz="2800" dirty="0"/>
+              <a:t>今回チーム制作で初めてプログラムを触りました。今迄はモデル、</a:t>
+            </a:r>
+            <a:r>
+              <a:rPr kumimoji="1" lang="en-US" altLang="ja-JP" sz="2800" dirty="0"/>
               <a:t>UI</a:t>
             </a:r>
             <a:r>
-              <a:rPr kumimoji="1" lang="ja-JP" altLang="en-US" dirty="0"/>
-              <a:t>などを担当してたので、今回もそうなるのかなーって思ってたらプログラムを任されてとても驚きました。基本モデルを中心に作り海流や</a:t>
-            </a:r>
-            <a:r>
-              <a:rPr kumimoji="1" lang="en-US" altLang="ja-JP" dirty="0"/>
+              <a:rPr kumimoji="1" lang="ja-JP" altLang="en-US" sz="2800" dirty="0"/>
+              <a:t>等を担当してたので、今回もそうかと思いきやプログラムを任され驚きました。モデルを中心に作り、海流や</a:t>
+            </a:r>
+            <a:r>
+              <a:rPr kumimoji="1" lang="en-US" altLang="ja-JP" sz="2800" dirty="0"/>
               <a:t>UI</a:t>
             </a:r>
             <a:r>
-              <a:rPr kumimoji="1" lang="ja-JP" altLang="en-US" dirty="0"/>
-              <a:t>のプログラムを少し担当しました。最初ペンギンは１種類しかいなかったが、マルチで種類を分けたくなり、合計５種類のペンギンを作りました。５種類作るのは大変だったが、どんなペンギンを作るかを考えるのが楽しかったです。水着ペンギンの水着と、パイロットペンギンの銃を作るのにとてもこだわりました。特に銃は３時間くらいかけて作った力作です。結果的に就職前にプログラムの復習が出来てよかったと思いました。</a:t>
-            </a:r>
-            <a:endParaRPr kumimoji="1" lang="en-US" altLang="ja-JP" dirty="0"/>
+              <a:rPr kumimoji="1" lang="ja-JP" altLang="en-US" sz="2800" dirty="0"/>
+              <a:t>のプログラム</a:t>
+            </a:r>
+            <a:r>
+              <a:rPr lang="ja-JP" altLang="en-US" sz="2800" dirty="0"/>
+              <a:t>を</a:t>
+            </a:r>
+            <a:r>
+              <a:rPr kumimoji="1" lang="ja-JP" altLang="en-US" sz="2800" dirty="0"/>
+              <a:t>担当しました。水着ペンギンの水着と、パイロットペンギンの銃をとても拘りました。特に銃は３時間かけて作った力作です。</a:t>
+            </a:r>
+            <a:endParaRPr kumimoji="1" lang="en-US" altLang="ja-JP" sz="2800" dirty="0"/>
+          </a:p>
+        </p:txBody>
+      </p:sp>
+      <p:sp>
+        <p:nvSpPr>
+          <p:cNvPr id="19" name="テキスト ボックス 18">
+            <a:extLst>
+              <a:ext uri="{FF2B5EF4-FFF2-40B4-BE49-F238E27FC236}">
+                <a16:creationId xmlns:a16="http://schemas.microsoft.com/office/drawing/2014/main" id="{DE860CC7-77DD-458D-AEDD-831FA8B386A9}"/>
+              </a:ext>
+            </a:extLst>
+          </p:cNvPr>
+          <p:cNvSpPr txBox="1"/>
+          <p:nvPr/>
+        </p:nvSpPr>
+        <p:spPr>
+          <a:xfrm>
+            <a:off x="157680" y="546752"/>
+            <a:ext cx="6713339" cy="2677656"/>
+          </a:xfrm>
+          <a:prstGeom prst="rect">
+            <a:avLst/>
+          </a:prstGeom>
+          <a:noFill/>
+        </p:spPr>
+        <p:txBody>
+          <a:bodyPr wrap="square" rtlCol="0">
+            <a:spAutoFit/>
+          </a:bodyPr>
+          <a:lstStyle/>
+          <a:p>
+            <a:r>
+              <a:rPr kumimoji="1" lang="ja-JP" altLang="en-US" sz="2800" dirty="0"/>
+              <a:t>メインプログラマーの高山です。今回の制作はリーダーがスケジュール管理や</a:t>
+            </a:r>
+            <a:endParaRPr kumimoji="1" lang="en-US" altLang="ja-JP" sz="2800" dirty="0"/>
+          </a:p>
+          <a:p>
+            <a:r>
+              <a:rPr kumimoji="1" lang="ja-JP" altLang="en-US" sz="2800" dirty="0"/>
+              <a:t>メンバーの様子に気を配ってくれて、</a:t>
+            </a:r>
+            <a:endParaRPr kumimoji="1" lang="en-US" altLang="ja-JP" sz="2800" dirty="0"/>
+          </a:p>
+          <a:p>
+            <a:r>
+              <a:rPr kumimoji="1" lang="ja-JP" altLang="en-US" sz="2800" dirty="0"/>
+              <a:t>動きやすかったです。</a:t>
+            </a:r>
+            <a:r>
+              <a:rPr lang="ja-JP" altLang="en-US" sz="2800" dirty="0"/>
+              <a:t>削った仕様はあれど、必要なものを動かし、発表会で色んな人の楽しむ姿を見れて嬉しかったです。</a:t>
+            </a:r>
+            <a:endParaRPr kumimoji="1" lang="en-US" altLang="ja-JP" sz="2800" dirty="0"/>
           </a:p>
         </p:txBody>
       </p:sp>
